--- a/HTML.CSS/課題.pptx
+++ b/HTML.CSS/課題.pptx
@@ -170,6 +170,9 @@
         </p14:section>
       </p14:sectionLst>
     </p:ext>
+    <p:ext uri="{EFAFB233-063F-42B5-8137-9DF3F51BA10A}">
+      <p15:sldGuideLst xmlns:p15="http://schemas.microsoft.com/office/powerpoint/2012/main"/>
+    </p:ext>
   </p:extLst>
 </p:presentation>
 </file>
@@ -305,7 +308,7 @@
           <a:p>
             <a:fld id="{8D8B418E-6A59-4AB9-95D9-2B505D7D1FFE}" type="datetimeFigureOut">
               <a:rPr kumimoji="1" lang="ja-JP" altLang="en-US" smtClean="0"/>
-              <a:t>2022/2/18</a:t>
+              <a:t>2022/2/21</a:t>
             </a:fld>
             <a:endParaRPr kumimoji="1" lang="ja-JP" altLang="en-US"/>
           </a:p>
@@ -507,7 +510,7 @@
           <a:p>
             <a:fld id="{8D8B418E-6A59-4AB9-95D9-2B505D7D1FFE}" type="datetimeFigureOut">
               <a:rPr kumimoji="1" lang="ja-JP" altLang="en-US" smtClean="0"/>
-              <a:t>2022/2/18</a:t>
+              <a:t>2022/2/21</a:t>
             </a:fld>
             <a:endParaRPr kumimoji="1" lang="ja-JP" altLang="en-US"/>
           </a:p>
@@ -719,7 +722,7 @@
           <a:p>
             <a:fld id="{8D8B418E-6A59-4AB9-95D9-2B505D7D1FFE}" type="datetimeFigureOut">
               <a:rPr kumimoji="1" lang="ja-JP" altLang="en-US" smtClean="0"/>
-              <a:t>2022/2/18</a:t>
+              <a:t>2022/2/21</a:t>
             </a:fld>
             <a:endParaRPr kumimoji="1" lang="ja-JP" altLang="en-US"/>
           </a:p>
@@ -921,7 +924,7 @@
           <a:p>
             <a:fld id="{8D8B418E-6A59-4AB9-95D9-2B505D7D1FFE}" type="datetimeFigureOut">
               <a:rPr kumimoji="1" lang="ja-JP" altLang="en-US" smtClean="0"/>
-              <a:t>2022/2/18</a:t>
+              <a:t>2022/2/21</a:t>
             </a:fld>
             <a:endParaRPr kumimoji="1" lang="ja-JP" altLang="en-US"/>
           </a:p>
@@ -1165,7 +1168,7 @@
           <a:p>
             <a:fld id="{8D8B418E-6A59-4AB9-95D9-2B505D7D1FFE}" type="datetimeFigureOut">
               <a:rPr kumimoji="1" lang="ja-JP" altLang="en-US" smtClean="0"/>
-              <a:t>2022/2/18</a:t>
+              <a:t>2022/2/21</a:t>
             </a:fld>
             <a:endParaRPr kumimoji="1" lang="ja-JP" altLang="en-US"/>
           </a:p>
@@ -1461,7 +1464,7 @@
           <a:p>
             <a:fld id="{8D8B418E-6A59-4AB9-95D9-2B505D7D1FFE}" type="datetimeFigureOut">
               <a:rPr kumimoji="1" lang="ja-JP" altLang="en-US" smtClean="0"/>
-              <a:t>2022/2/18</a:t>
+              <a:t>2022/2/21</a:t>
             </a:fld>
             <a:endParaRPr kumimoji="1" lang="ja-JP" altLang="en-US"/>
           </a:p>
@@ -1892,7 +1895,7 @@
           <a:p>
             <a:fld id="{8D8B418E-6A59-4AB9-95D9-2B505D7D1FFE}" type="datetimeFigureOut">
               <a:rPr kumimoji="1" lang="ja-JP" altLang="en-US" smtClean="0"/>
-              <a:t>2022/2/18</a:t>
+              <a:t>2022/2/21</a:t>
             </a:fld>
             <a:endParaRPr kumimoji="1" lang="ja-JP" altLang="en-US"/>
           </a:p>
@@ -2010,7 +2013,7 @@
           <a:p>
             <a:fld id="{8D8B418E-6A59-4AB9-95D9-2B505D7D1FFE}" type="datetimeFigureOut">
               <a:rPr kumimoji="1" lang="ja-JP" altLang="en-US" smtClean="0"/>
-              <a:t>2022/2/18</a:t>
+              <a:t>2022/2/21</a:t>
             </a:fld>
             <a:endParaRPr kumimoji="1" lang="ja-JP" altLang="en-US"/>
           </a:p>
@@ -2105,7 +2108,7 @@
           <a:p>
             <a:fld id="{8D8B418E-6A59-4AB9-95D9-2B505D7D1FFE}" type="datetimeFigureOut">
               <a:rPr kumimoji="1" lang="ja-JP" altLang="en-US" smtClean="0"/>
-              <a:t>2022/2/18</a:t>
+              <a:t>2022/2/21</a:t>
             </a:fld>
             <a:endParaRPr kumimoji="1" lang="ja-JP" altLang="en-US"/>
           </a:p>
@@ -2414,7 +2417,7 @@
           <a:p>
             <a:fld id="{8D8B418E-6A59-4AB9-95D9-2B505D7D1FFE}" type="datetimeFigureOut">
               <a:rPr kumimoji="1" lang="ja-JP" altLang="en-US" smtClean="0"/>
-              <a:t>2022/2/18</a:t>
+              <a:t>2022/2/21</a:t>
             </a:fld>
             <a:endParaRPr kumimoji="1" lang="ja-JP" altLang="en-US"/>
           </a:p>
@@ -2671,7 +2674,7 @@
           <a:p>
             <a:fld id="{8D8B418E-6A59-4AB9-95D9-2B505D7D1FFE}" type="datetimeFigureOut">
               <a:rPr kumimoji="1" lang="ja-JP" altLang="en-US" smtClean="0"/>
-              <a:t>2022/2/18</a:t>
+              <a:t>2022/2/21</a:t>
             </a:fld>
             <a:endParaRPr kumimoji="1" lang="ja-JP" altLang="en-US"/>
           </a:p>
@@ -2916,7 +2919,7 @@
           <a:p>
             <a:fld id="{8D8B418E-6A59-4AB9-95D9-2B505D7D1FFE}" type="datetimeFigureOut">
               <a:rPr kumimoji="1" lang="ja-JP" altLang="en-US" smtClean="0"/>
-              <a:t>2022/2/18</a:t>
+              <a:t>2022/2/21</a:t>
             </a:fld>
             <a:endParaRPr kumimoji="1" lang="ja-JP" altLang="en-US"/>
           </a:p>
@@ -3383,6 +3386,44 @@
           </a:p>
         </p:txBody>
       </p:sp>
+      <p:sp>
+        <p:nvSpPr>
+          <p:cNvPr id="2" name="テキスト ボックス 1"/>
+          <p:cNvSpPr txBox="1"/>
+          <p:nvPr/>
+        </p:nvSpPr>
+        <p:spPr>
+          <a:xfrm>
+            <a:off x="99548" y="0"/>
+            <a:ext cx="3609567" cy="369332"/>
+          </a:xfrm>
+          <a:prstGeom prst="rect">
+            <a:avLst/>
+          </a:prstGeom>
+          <a:noFill/>
+        </p:spPr>
+        <p:txBody>
+          <a:bodyPr wrap="square" rtlCol="0">
+            <a:spAutoFit/>
+          </a:bodyPr>
+          <a:lstStyle/>
+          <a:p>
+            <a:r>
+              <a:rPr kumimoji="1" lang="ja-JP" altLang="en-US" dirty="0" smtClean="0"/>
+              <a:t>課題</a:t>
+            </a:r>
+            <a:r>
+              <a:rPr lang="ja-JP" altLang="en-US" dirty="0" smtClean="0"/>
+              <a:t>１　</a:t>
+            </a:r>
+            <a:r>
+              <a:rPr lang="en-US" altLang="ja-JP" dirty="0" smtClean="0"/>
+              <a:t>index1.html</a:t>
+            </a:r>
+            <a:endParaRPr kumimoji="1" lang="ja-JP" altLang="en-US" dirty="0"/>
+          </a:p>
+        </p:txBody>
+      </p:sp>
     </p:spTree>
     <p:extLst>
       <p:ext uri="{BB962C8B-B14F-4D97-AF65-F5344CB8AC3E}">
@@ -3437,6 +3478,40 @@
           </a:prstGeom>
         </p:spPr>
       </p:pic>
+      <p:sp>
+        <p:nvSpPr>
+          <p:cNvPr id="3" name="テキスト ボックス 2"/>
+          <p:cNvSpPr txBox="1"/>
+          <p:nvPr/>
+        </p:nvSpPr>
+        <p:spPr>
+          <a:xfrm>
+            <a:off x="99548" y="0"/>
+            <a:ext cx="3880024" cy="369332"/>
+          </a:xfrm>
+          <a:prstGeom prst="rect">
+            <a:avLst/>
+          </a:prstGeom>
+          <a:noFill/>
+        </p:spPr>
+        <p:txBody>
+          <a:bodyPr wrap="square" rtlCol="0">
+            <a:spAutoFit/>
+          </a:bodyPr>
+          <a:lstStyle/>
+          <a:p>
+            <a:r>
+              <a:rPr kumimoji="1" lang="ja-JP" altLang="en-US" dirty="0" smtClean="0"/>
+              <a:t>課題８　</a:t>
+            </a:r>
+            <a:r>
+              <a:rPr kumimoji="1" lang="en-US" altLang="ja-JP" dirty="0" smtClean="0"/>
+              <a:t>index8.html</a:t>
+            </a:r>
+            <a:endParaRPr kumimoji="1" lang="ja-JP" altLang="en-US" dirty="0"/>
+          </a:p>
+        </p:txBody>
+      </p:sp>
     </p:spTree>
     <p:extLst>
       <p:ext uri="{BB962C8B-B14F-4D97-AF65-F5344CB8AC3E}">
@@ -3545,6 +3620,40 @@
           </a:prstGeom>
         </p:spPr>
       </p:pic>
+      <p:sp>
+        <p:nvSpPr>
+          <p:cNvPr id="3" name="テキスト ボックス 2"/>
+          <p:cNvSpPr txBox="1"/>
+          <p:nvPr/>
+        </p:nvSpPr>
+        <p:spPr>
+          <a:xfrm>
+            <a:off x="99548" y="0"/>
+            <a:ext cx="5283821" cy="369332"/>
+          </a:xfrm>
+          <a:prstGeom prst="rect">
+            <a:avLst/>
+          </a:prstGeom>
+          <a:noFill/>
+        </p:spPr>
+        <p:txBody>
+          <a:bodyPr wrap="square" rtlCol="0">
+            <a:spAutoFit/>
+          </a:bodyPr>
+          <a:lstStyle/>
+          <a:p>
+            <a:r>
+              <a:rPr kumimoji="1" lang="ja-JP" altLang="en-US" dirty="0" smtClean="0"/>
+              <a:t>課題９　</a:t>
+            </a:r>
+            <a:r>
+              <a:rPr kumimoji="1" lang="en-US" altLang="ja-JP" dirty="0" smtClean="0"/>
+              <a:t>index9.html</a:t>
+            </a:r>
+            <a:endParaRPr kumimoji="1" lang="ja-JP" altLang="en-US" dirty="0"/>
+          </a:p>
+        </p:txBody>
+      </p:sp>
     </p:spTree>
     <p:extLst>
       <p:ext uri="{BB962C8B-B14F-4D97-AF65-F5344CB8AC3E}">
@@ -3653,6 +3762,44 @@
           </a:prstGeom>
         </p:spPr>
       </p:pic>
+      <p:sp>
+        <p:nvSpPr>
+          <p:cNvPr id="3" name="テキスト ボックス 2"/>
+          <p:cNvSpPr txBox="1"/>
+          <p:nvPr/>
+        </p:nvSpPr>
+        <p:spPr>
+          <a:xfrm>
+            <a:off x="99548" y="0"/>
+            <a:ext cx="3776993" cy="369332"/>
+          </a:xfrm>
+          <a:prstGeom prst="rect">
+            <a:avLst/>
+          </a:prstGeom>
+          <a:noFill/>
+        </p:spPr>
+        <p:txBody>
+          <a:bodyPr wrap="square" rtlCol="0">
+            <a:spAutoFit/>
+          </a:bodyPr>
+          <a:lstStyle/>
+          <a:p>
+            <a:r>
+              <a:rPr kumimoji="1" lang="ja-JP" altLang="en-US" dirty="0" smtClean="0"/>
+              <a:t>課題</a:t>
+            </a:r>
+            <a:r>
+              <a:rPr lang="ja-JP" altLang="en-US" dirty="0" smtClean="0"/>
+              <a:t>２　</a:t>
+            </a:r>
+            <a:r>
+              <a:rPr lang="en-US" altLang="ja-JP" dirty="0" smtClean="0"/>
+              <a:t>index2.html</a:t>
+            </a:r>
+            <a:endParaRPr kumimoji="1" lang="ja-JP" altLang="en-US" dirty="0"/>
+          </a:p>
+        </p:txBody>
+      </p:sp>
     </p:spTree>
     <p:extLst>
       <p:ext uri="{BB962C8B-B14F-4D97-AF65-F5344CB8AC3E}">
@@ -3707,6 +3854,44 @@
           </a:prstGeom>
         </p:spPr>
       </p:pic>
+      <p:sp>
+        <p:nvSpPr>
+          <p:cNvPr id="3" name="テキスト ボックス 2"/>
+          <p:cNvSpPr txBox="1"/>
+          <p:nvPr/>
+        </p:nvSpPr>
+        <p:spPr>
+          <a:xfrm>
+            <a:off x="99548" y="0"/>
+            <a:ext cx="4098965" cy="369332"/>
+          </a:xfrm>
+          <a:prstGeom prst="rect">
+            <a:avLst/>
+          </a:prstGeom>
+          <a:noFill/>
+        </p:spPr>
+        <p:txBody>
+          <a:bodyPr wrap="square" rtlCol="0">
+            <a:spAutoFit/>
+          </a:bodyPr>
+          <a:lstStyle/>
+          <a:p>
+            <a:r>
+              <a:rPr kumimoji="1" lang="ja-JP" altLang="en-US" dirty="0" smtClean="0"/>
+              <a:t>課題</a:t>
+            </a:r>
+            <a:r>
+              <a:rPr lang="ja-JP" altLang="en-US" dirty="0" smtClean="0"/>
+              <a:t>３　</a:t>
+            </a:r>
+            <a:r>
+              <a:rPr lang="en-US" altLang="ja-JP" dirty="0" smtClean="0"/>
+              <a:t>index3.html</a:t>
+            </a:r>
+            <a:endParaRPr kumimoji="1" lang="ja-JP" altLang="en-US" dirty="0"/>
+          </a:p>
+        </p:txBody>
+      </p:sp>
     </p:spTree>
     <p:extLst>
       <p:ext uri="{BB962C8B-B14F-4D97-AF65-F5344CB8AC3E}">
@@ -3761,6 +3946,44 @@
           </a:prstGeom>
         </p:spPr>
       </p:pic>
+      <p:sp>
+        <p:nvSpPr>
+          <p:cNvPr id="3" name="テキスト ボックス 2"/>
+          <p:cNvSpPr txBox="1"/>
+          <p:nvPr/>
+        </p:nvSpPr>
+        <p:spPr>
+          <a:xfrm>
+            <a:off x="99548" y="0"/>
+            <a:ext cx="4408058" cy="369332"/>
+          </a:xfrm>
+          <a:prstGeom prst="rect">
+            <a:avLst/>
+          </a:prstGeom>
+          <a:noFill/>
+        </p:spPr>
+        <p:txBody>
+          <a:bodyPr wrap="square" rtlCol="0">
+            <a:spAutoFit/>
+          </a:bodyPr>
+          <a:lstStyle/>
+          <a:p>
+            <a:r>
+              <a:rPr kumimoji="1" lang="ja-JP" altLang="en-US" dirty="0" smtClean="0"/>
+              <a:t>課題</a:t>
+            </a:r>
+            <a:r>
+              <a:rPr lang="ja-JP" altLang="en-US" dirty="0" smtClean="0"/>
+              <a:t>４　</a:t>
+            </a:r>
+            <a:r>
+              <a:rPr lang="en-US" altLang="ja-JP" dirty="0" smtClean="0"/>
+              <a:t>index4.html</a:t>
+            </a:r>
+            <a:endParaRPr kumimoji="1" lang="ja-JP" altLang="en-US" dirty="0"/>
+          </a:p>
+        </p:txBody>
+      </p:sp>
     </p:spTree>
     <p:extLst>
       <p:ext uri="{BB962C8B-B14F-4D97-AF65-F5344CB8AC3E}">
@@ -3815,6 +4038,40 @@
           </a:prstGeom>
         </p:spPr>
       </p:pic>
+      <p:sp>
+        <p:nvSpPr>
+          <p:cNvPr id="3" name="テキスト ボックス 2"/>
+          <p:cNvSpPr txBox="1"/>
+          <p:nvPr/>
+        </p:nvSpPr>
+        <p:spPr>
+          <a:xfrm>
+            <a:off x="99548" y="0"/>
+            <a:ext cx="4111844" cy="369332"/>
+          </a:xfrm>
+          <a:prstGeom prst="rect">
+            <a:avLst/>
+          </a:prstGeom>
+          <a:noFill/>
+        </p:spPr>
+        <p:txBody>
+          <a:bodyPr wrap="square" rtlCol="0">
+            <a:spAutoFit/>
+          </a:bodyPr>
+          <a:lstStyle/>
+          <a:p>
+            <a:r>
+              <a:rPr kumimoji="1" lang="ja-JP" altLang="en-US" dirty="0" smtClean="0"/>
+              <a:t>課題５　</a:t>
+            </a:r>
+            <a:r>
+              <a:rPr kumimoji="1" lang="en-US" altLang="ja-JP" dirty="0" smtClean="0"/>
+              <a:t>index5.html</a:t>
+            </a:r>
+            <a:endParaRPr kumimoji="1" lang="ja-JP" altLang="en-US" dirty="0"/>
+          </a:p>
+        </p:txBody>
+      </p:sp>
     </p:spTree>
     <p:extLst>
       <p:ext uri="{BB962C8B-B14F-4D97-AF65-F5344CB8AC3E}">
@@ -3869,6 +4126,48 @@
           </a:prstGeom>
         </p:spPr>
       </p:pic>
+      <p:sp>
+        <p:nvSpPr>
+          <p:cNvPr id="3" name="テキスト ボックス 2"/>
+          <p:cNvSpPr txBox="1"/>
+          <p:nvPr/>
+        </p:nvSpPr>
+        <p:spPr>
+          <a:xfrm>
+            <a:off x="99548" y="0"/>
+            <a:ext cx="4111844" cy="369332"/>
+          </a:xfrm>
+          <a:prstGeom prst="rect">
+            <a:avLst/>
+          </a:prstGeom>
+          <a:noFill/>
+        </p:spPr>
+        <p:txBody>
+          <a:bodyPr wrap="square" rtlCol="0">
+            <a:spAutoFit/>
+          </a:bodyPr>
+          <a:lstStyle/>
+          <a:p>
+            <a:r>
+              <a:rPr kumimoji="1" lang="ja-JP" altLang="en-US" dirty="0" smtClean="0"/>
+              <a:t>課題</a:t>
+            </a:r>
+            <a:r>
+              <a:rPr kumimoji="1" lang="en-US" altLang="ja-JP" dirty="0" smtClean="0"/>
+              <a:t>6</a:t>
+            </a:r>
+            <a:r>
+              <a:rPr kumimoji="1" lang="ja-JP" altLang="en-US" dirty="0" smtClean="0"/>
+              <a:t>　</a:t>
+            </a:r>
+            <a:r>
+              <a:rPr kumimoji="1" lang="en-US" altLang="ja-JP" dirty="0" smtClean="0"/>
+              <a:t>index6.html</a:t>
+            </a:r>
+            <a:endParaRPr kumimoji="1" lang="ja-JP" altLang="en-US" dirty="0"/>
+          </a:p>
+        </p:txBody>
+      </p:sp>
     </p:spTree>
     <p:extLst>
       <p:ext uri="{BB962C8B-B14F-4D97-AF65-F5344CB8AC3E}">
@@ -4007,6 +4306,40 @@
           </a:prstGeom>
         </p:spPr>
       </p:pic>
+      <p:sp>
+        <p:nvSpPr>
+          <p:cNvPr id="3" name="テキスト ボックス 2"/>
+          <p:cNvSpPr txBox="1"/>
+          <p:nvPr/>
+        </p:nvSpPr>
+        <p:spPr>
+          <a:xfrm>
+            <a:off x="99548" y="0"/>
+            <a:ext cx="4330784" cy="369332"/>
+          </a:xfrm>
+          <a:prstGeom prst="rect">
+            <a:avLst/>
+          </a:prstGeom>
+          <a:noFill/>
+        </p:spPr>
+        <p:txBody>
+          <a:bodyPr wrap="square" rtlCol="0">
+            <a:spAutoFit/>
+          </a:bodyPr>
+          <a:lstStyle/>
+          <a:p>
+            <a:r>
+              <a:rPr kumimoji="1" lang="ja-JP" altLang="en-US" dirty="0" smtClean="0"/>
+              <a:t>課題７　</a:t>
+            </a:r>
+            <a:r>
+              <a:rPr kumimoji="1" lang="en-US" altLang="ja-JP" dirty="0" smtClean="0"/>
+              <a:t>index7.html</a:t>
+            </a:r>
+            <a:endParaRPr kumimoji="1" lang="ja-JP" altLang="en-US" dirty="0"/>
+          </a:p>
+        </p:txBody>
+      </p:sp>
     </p:spTree>
     <p:extLst>
       <p:ext uri="{BB962C8B-B14F-4D97-AF65-F5344CB8AC3E}">
